--- a/medium_article.pptx
+++ b/medium_article.pptx
@@ -6,6 +6,7 @@
   </p:sldMasterIdLst>
   <p:sldIdLst>
     <p:sldId id="256" r:id="rId2"/>
+    <p:sldId id="257" r:id="rId3"/>
   </p:sldIdLst>
   <p:sldSz cx="12192000" cy="6858000"/>
   <p:notesSz cx="6858000" cy="9144000"/>
@@ -104,6 +105,11 @@
       </a:defRPr>
     </a:lvl9pPr>
   </p:defaultTextStyle>
+  <p:extLst>
+    <p:ext uri="{EFAFB233-063F-42B5-8137-9DF3F51BA10A}">
+      <p15:sldGuideLst xmlns:p15="http://schemas.microsoft.com/office/powerpoint/2012/main"/>
+    </p:ext>
+  </p:extLst>
 </p:presentation>
 </file>
 
@@ -254,7 +260,7 @@
           <a:p>
             <a:fld id="{6C1DFF25-94F0-40D6-A10A-086B1FFCC008}" type="datetimeFigureOut">
               <a:rPr lang="en-US" smtClean="0"/>
-              <a:t>3/26/2024</a:t>
+              <a:t>3/28/2024</a:t>
             </a:fld>
             <a:endParaRPr lang="en-US"/>
           </a:p>
@@ -452,7 +458,7 @@
           <a:p>
             <a:fld id="{6C1DFF25-94F0-40D6-A10A-086B1FFCC008}" type="datetimeFigureOut">
               <a:rPr lang="en-US" smtClean="0"/>
-              <a:t>3/26/2024</a:t>
+              <a:t>3/28/2024</a:t>
             </a:fld>
             <a:endParaRPr lang="en-US"/>
           </a:p>
@@ -660,7 +666,7 @@
           <a:p>
             <a:fld id="{6C1DFF25-94F0-40D6-A10A-086B1FFCC008}" type="datetimeFigureOut">
               <a:rPr lang="en-US" smtClean="0"/>
-              <a:t>3/26/2024</a:t>
+              <a:t>3/28/2024</a:t>
             </a:fld>
             <a:endParaRPr lang="en-US"/>
           </a:p>
@@ -858,7 +864,7 @@
           <a:p>
             <a:fld id="{6C1DFF25-94F0-40D6-A10A-086B1FFCC008}" type="datetimeFigureOut">
               <a:rPr lang="en-US" smtClean="0"/>
-              <a:t>3/26/2024</a:t>
+              <a:t>3/28/2024</a:t>
             </a:fld>
             <a:endParaRPr lang="en-US"/>
           </a:p>
@@ -1133,7 +1139,7 @@
           <a:p>
             <a:fld id="{6C1DFF25-94F0-40D6-A10A-086B1FFCC008}" type="datetimeFigureOut">
               <a:rPr lang="en-US" smtClean="0"/>
-              <a:t>3/26/2024</a:t>
+              <a:t>3/28/2024</a:t>
             </a:fld>
             <a:endParaRPr lang="en-US"/>
           </a:p>
@@ -1398,7 +1404,7 @@
           <a:p>
             <a:fld id="{6C1DFF25-94F0-40D6-A10A-086B1FFCC008}" type="datetimeFigureOut">
               <a:rPr lang="en-US" smtClean="0"/>
-              <a:t>3/26/2024</a:t>
+              <a:t>3/28/2024</a:t>
             </a:fld>
             <a:endParaRPr lang="en-US"/>
           </a:p>
@@ -1810,7 +1816,7 @@
           <a:p>
             <a:fld id="{6C1DFF25-94F0-40D6-A10A-086B1FFCC008}" type="datetimeFigureOut">
               <a:rPr lang="en-US" smtClean="0"/>
-              <a:t>3/26/2024</a:t>
+              <a:t>3/28/2024</a:t>
             </a:fld>
             <a:endParaRPr lang="en-US"/>
           </a:p>
@@ -1951,7 +1957,7 @@
           <a:p>
             <a:fld id="{6C1DFF25-94F0-40D6-A10A-086B1FFCC008}" type="datetimeFigureOut">
               <a:rPr lang="en-US" smtClean="0"/>
-              <a:t>3/26/2024</a:t>
+              <a:t>3/28/2024</a:t>
             </a:fld>
             <a:endParaRPr lang="en-US"/>
           </a:p>
@@ -2064,7 +2070,7 @@
           <a:p>
             <a:fld id="{6C1DFF25-94F0-40D6-A10A-086B1FFCC008}" type="datetimeFigureOut">
               <a:rPr lang="en-US" smtClean="0"/>
-              <a:t>3/26/2024</a:t>
+              <a:t>3/28/2024</a:t>
             </a:fld>
             <a:endParaRPr lang="en-US"/>
           </a:p>
@@ -2375,7 +2381,7 @@
           <a:p>
             <a:fld id="{6C1DFF25-94F0-40D6-A10A-086B1FFCC008}" type="datetimeFigureOut">
               <a:rPr lang="en-US" smtClean="0"/>
-              <a:t>3/26/2024</a:t>
+              <a:t>3/28/2024</a:t>
             </a:fld>
             <a:endParaRPr lang="en-US"/>
           </a:p>
@@ -2663,7 +2669,7 @@
           <a:p>
             <a:fld id="{6C1DFF25-94F0-40D6-A10A-086B1FFCC008}" type="datetimeFigureOut">
               <a:rPr lang="en-US" smtClean="0"/>
-              <a:t>3/26/2024</a:t>
+              <a:t>3/28/2024</a:t>
             </a:fld>
             <a:endParaRPr lang="en-US"/>
           </a:p>
@@ -2904,7 +2910,7 @@
           <a:p>
             <a:fld id="{6C1DFF25-94F0-40D6-A10A-086B1FFCC008}" type="datetimeFigureOut">
               <a:rPr lang="en-US" smtClean="0"/>
-              <a:t>3/26/2024</a:t>
+              <a:t>3/28/2024</a:t>
             </a:fld>
             <a:endParaRPr lang="en-US"/>
           </a:p>
@@ -3342,7 +3348,7 @@
             <a:avLst/>
           </a:prstGeom>
           <a:solidFill>
-            <a:schemeClr val="bg1"/>
+            <a:schemeClr val="accent2"/>
           </a:solidFill>
           <a:ln w="38100"/>
         </p:spPr>
@@ -3392,7 +3398,7 @@
             <a:avLst/>
           </a:prstGeom>
           <a:solidFill>
-            <a:schemeClr val="bg1"/>
+            <a:schemeClr val="accent6"/>
           </a:solidFill>
           <a:ln w="38100"/>
         </p:spPr>
@@ -3442,7 +3448,7 @@
             <a:avLst/>
           </a:prstGeom>
           <a:solidFill>
-            <a:schemeClr val="bg1"/>
+            <a:srgbClr val="00B0F0"/>
           </a:solidFill>
           <a:ln w="38100"/>
         </p:spPr>
@@ -3591,12 +3597,8 @@
           <a:lstStyle/>
           <a:p>
             <a:r>
-              <a:rPr lang="de-DE" sz="2000" b="1" dirty="0" err="1"/>
-              <a:t>Theoretical</a:t>
-            </a:r>
-            <a:r>
               <a:rPr lang="de-DE" sz="2000" b="1" dirty="0"/>
-              <a:t> Model</a:t>
+              <a:t>Theoretical Model</a:t>
             </a:r>
           </a:p>
         </p:txBody>
@@ -3777,8 +3779,8 @@
           </a:p>
         </p:txBody>
       </p:sp>
-      <mc:AlternateContent xmlns:mc="http://schemas.openxmlformats.org/markup-compatibility/2006">
-        <mc:Choice xmlns:a14="http://schemas.microsoft.com/office/drawing/2010/main" Requires="a14">
+      <mc:AlternateContent xmlns:mc="http://schemas.openxmlformats.org/markup-compatibility/2006" xmlns:a14="http://schemas.microsoft.com/office/drawing/2010/main">
+        <mc:Choice Requires="a14">
           <p:sp>
             <p:nvSpPr>
               <p:cNvPr id="22" name="TextBox 21">
@@ -3807,6 +3809,7 @@
               </a:bodyPr>
               <a:lstStyle/>
               <a:p>
+                <a:pPr/>
                 <a14:m>
                   <m:oMathPara xmlns:m="http://schemas.openxmlformats.org/officeDocument/2006/math">
                     <m:oMathParaPr>
@@ -3827,7 +3830,7 @@
             </p:txBody>
           </p:sp>
         </mc:Choice>
-        <mc:Fallback>
+        <mc:Fallback xmlns="">
           <p:sp>
             <p:nvSpPr>
               <p:cNvPr id="22" name="TextBox 21">
@@ -3872,8 +3875,8 @@
           </p:sp>
         </mc:Fallback>
       </mc:AlternateContent>
-      <mc:AlternateContent xmlns:mc="http://schemas.openxmlformats.org/markup-compatibility/2006">
-        <mc:Choice xmlns:a14="http://schemas.microsoft.com/office/drawing/2010/main" Requires="a14">
+      <mc:AlternateContent xmlns:mc="http://schemas.openxmlformats.org/markup-compatibility/2006" xmlns:a14="http://schemas.microsoft.com/office/drawing/2010/main">
+        <mc:Choice Requires="a14">
           <p:sp>
             <p:nvSpPr>
               <p:cNvPr id="23" name="TextBox 22">
@@ -3902,6 +3905,7 @@
               </a:bodyPr>
               <a:lstStyle/>
               <a:p>
+                <a:pPr/>
                 <a14:m>
                   <m:oMathPara xmlns:m="http://schemas.openxmlformats.org/officeDocument/2006/math">
                     <m:oMathParaPr>
@@ -3922,7 +3926,7 @@
             </p:txBody>
           </p:sp>
         </mc:Choice>
-        <mc:Fallback>
+        <mc:Fallback xmlns="">
           <p:sp>
             <p:nvSpPr>
               <p:cNvPr id="23" name="TextBox 22">
@@ -3996,24 +4000,8 @@
           <a:lstStyle/>
           <a:p>
             <a:r>
-              <a:rPr lang="de-DE" sz="2000" b="1" dirty="0" err="1"/>
-              <a:t>Infer</a:t>
-            </a:r>
-            <a:r>
               <a:rPr lang="de-DE" sz="2000" b="1" dirty="0"/>
-              <a:t> </a:t>
-            </a:r>
-            <a:r>
-              <a:rPr lang="de-DE" sz="2000" b="1" dirty="0" err="1"/>
-              <a:t>model</a:t>
-            </a:r>
-            <a:r>
-              <a:rPr lang="de-DE" sz="2000" b="1" dirty="0"/>
-              <a:t> </a:t>
-            </a:r>
-            <a:r>
-              <a:rPr lang="de-DE" sz="2000" b="1" dirty="0" err="1"/>
-              <a:t>parameters</a:t>
+              <a:t>Infer model parameters</a:t>
             </a:r>
             <a:endParaRPr lang="en-US" sz="2000" b="1" dirty="0"/>
           </a:p>
@@ -4049,19 +4037,7 @@
           <a:p>
             <a:r>
               <a:rPr lang="de-DE" sz="2000" b="1" dirty="0"/>
-              <a:t>Guide </a:t>
-            </a:r>
-            <a:r>
-              <a:rPr lang="de-DE" sz="2000" b="1" dirty="0" err="1"/>
-              <a:t>new</a:t>
-            </a:r>
-            <a:r>
-              <a:rPr lang="de-DE" sz="2000" b="1" dirty="0"/>
-              <a:t> </a:t>
-            </a:r>
-            <a:r>
-              <a:rPr lang="de-DE" sz="2000" b="1" dirty="0" err="1"/>
-              <a:t>experiments</a:t>
+              <a:t>Guide new experiments</a:t>
             </a:r>
             <a:endParaRPr lang="en-US" sz="2000" b="1" dirty="0"/>
           </a:p>
@@ -4081,7 +4057,7 @@
         </p:nvSpPr>
         <p:spPr>
           <a:xfrm>
-            <a:off x="2104103" y="5722374"/>
+            <a:off x="1779639" y="5730445"/>
             <a:ext cx="10019071" cy="646331"/>
           </a:xfrm>
           <a:prstGeom prst="rect">
@@ -4096,114 +4072,13 @@
           <a:lstStyle/>
           <a:p>
             <a:r>
-              <a:rPr lang="de-DE" dirty="0"/>
-              <a:t>Cycle </a:t>
-            </a:r>
-            <a:r>
-              <a:rPr lang="de-DE" dirty="0" err="1"/>
-              <a:t>of</a:t>
-            </a:r>
-            <a:r>
-              <a:rPr lang="de-DE" dirty="0"/>
-              <a:t> </a:t>
-            </a:r>
-            <a:r>
-              <a:rPr lang="de-DE" dirty="0" err="1"/>
-              <a:t>information</a:t>
-            </a:r>
-            <a:r>
-              <a:rPr lang="de-DE" dirty="0"/>
-              <a:t> </a:t>
-            </a:r>
-            <a:r>
-              <a:rPr lang="de-DE" dirty="0" err="1"/>
-              <a:t>flow</a:t>
-            </a:r>
-            <a:r>
-              <a:rPr lang="de-DE" dirty="0"/>
-              <a:t> </a:t>
-            </a:r>
-            <a:r>
-              <a:rPr lang="de-DE" dirty="0" err="1"/>
-              <a:t>among</a:t>
-            </a:r>
-            <a:r>
-              <a:rPr lang="de-DE" dirty="0"/>
-              <a:t> </a:t>
-            </a:r>
-            <a:r>
-              <a:rPr lang="de-DE" dirty="0" err="1"/>
-              <a:t>the</a:t>
-            </a:r>
-            <a:r>
-              <a:rPr lang="de-DE" dirty="0"/>
-              <a:t> </a:t>
-            </a:r>
-            <a:r>
-              <a:rPr lang="de-DE" dirty="0" err="1"/>
-              <a:t>natural</a:t>
-            </a:r>
-            <a:r>
-              <a:rPr lang="de-DE" dirty="0"/>
-              <a:t> </a:t>
-            </a:r>
-            <a:r>
-              <a:rPr lang="de-DE" dirty="0" err="1"/>
-              <a:t>world</a:t>
-            </a:r>
-            <a:r>
-              <a:rPr lang="de-DE" dirty="0"/>
-              <a:t>, </a:t>
-            </a:r>
-            <a:r>
-              <a:rPr lang="de-DE" dirty="0" err="1"/>
-              <a:t>theoritical</a:t>
-            </a:r>
-            <a:r>
-              <a:rPr lang="de-DE" dirty="0"/>
-              <a:t> and experimental </a:t>
-            </a:r>
-            <a:r>
-              <a:rPr lang="de-DE" dirty="0" err="1"/>
-              <a:t>efforts</a:t>
-            </a:r>
-            <a:r>
-              <a:rPr lang="de-DE" dirty="0"/>
-              <a:t> </a:t>
-            </a:r>
-            <a:r>
-              <a:rPr lang="de-DE" dirty="0" err="1"/>
-              <a:t>to</a:t>
-            </a:r>
-            <a:r>
-              <a:rPr lang="de-DE" dirty="0"/>
-              <a:t> </a:t>
-            </a:r>
-            <a:r>
-              <a:rPr lang="de-DE" dirty="0" err="1"/>
-              <a:t>underestand</a:t>
-            </a:r>
-            <a:r>
-              <a:rPr lang="de-DE" dirty="0"/>
-              <a:t> </a:t>
-            </a:r>
-            <a:r>
-              <a:rPr lang="de-DE" dirty="0" err="1"/>
-              <a:t>the</a:t>
-            </a:r>
-            <a:r>
-              <a:rPr lang="de-DE" dirty="0"/>
-              <a:t> </a:t>
-            </a:r>
-            <a:r>
-              <a:rPr lang="de-DE" dirty="0" err="1"/>
-              <a:t>system</a:t>
-            </a:r>
-            <a:r>
-              <a:rPr lang="de-DE" dirty="0"/>
-              <a:t>.</a:t>
-            </a:r>
-            <a:endParaRPr lang="en-US" dirty="0"/>
+              <a:rPr lang="en-US" b="1" dirty="0"/>
+              <a:t>Figure 1</a:t>
+            </a:r>
+            <a:r>
+              <a:rPr lang="en-US" dirty="0"/>
+              <a:t>: Cycle of Information Flow Among the Natural World, Theoretical, and Experimental Efforts to Understand the System.</a:t>
+            </a:r>
           </a:p>
         </p:txBody>
       </p:sp>
@@ -4211,6 +4086,700 @@
     <p:extLst>
       <p:ext uri="{BB962C8B-B14F-4D97-AF65-F5344CB8AC3E}">
         <p14:creationId xmlns:p14="http://schemas.microsoft.com/office/powerpoint/2010/main" val="4105507450"/>
+      </p:ext>
+    </p:extLst>
+  </p:cSld>
+  <p:clrMapOvr>
+    <a:masterClrMapping/>
+  </p:clrMapOvr>
+</p:sld>
+</file>
+
+<file path=ppt/slides/slide2.xml><?xml version="1.0" encoding="utf-8"?>
+<p:sld xmlns:a="http://schemas.openxmlformats.org/drawingml/2006/main" xmlns:r="http://schemas.openxmlformats.org/officeDocument/2006/relationships" xmlns:p="http://schemas.openxmlformats.org/presentationml/2006/main">
+  <p:cSld>
+    <p:spTree>
+      <p:nvGrpSpPr>
+        <p:cNvPr id="1" name=""/>
+        <p:cNvGrpSpPr/>
+        <p:nvPr/>
+      </p:nvGrpSpPr>
+      <p:grpSpPr>
+        <a:xfrm>
+          <a:off x="0" y="0"/>
+          <a:ext cx="0" cy="0"/>
+          <a:chOff x="0" y="0"/>
+          <a:chExt cx="0" cy="0"/>
+        </a:xfrm>
+      </p:grpSpPr>
+      <p:sp>
+        <p:nvSpPr>
+          <p:cNvPr id="19" name="Flowchart: Connector 18">
+            <a:extLst>
+              <a:ext uri="{FF2B5EF4-FFF2-40B4-BE49-F238E27FC236}">
+                <a16:creationId xmlns:a16="http://schemas.microsoft.com/office/drawing/2014/main" id="{4AC262E0-7C8E-5969-004E-4ECA1B740318}"/>
+              </a:ext>
+            </a:extLst>
+          </p:cNvPr>
+          <p:cNvSpPr/>
+          <p:nvPr/>
+        </p:nvSpPr>
+        <p:spPr>
+          <a:xfrm>
+            <a:off x="3382912" y="1005959"/>
+            <a:ext cx="1986118" cy="1883614"/>
+          </a:xfrm>
+          <a:prstGeom prst="flowChartConnector">
+            <a:avLst/>
+          </a:prstGeom>
+          <a:solidFill>
+            <a:srgbClr val="FFC000"/>
+          </a:solidFill>
+        </p:spPr>
+        <p:style>
+          <a:lnRef idx="2">
+            <a:schemeClr val="accent1">
+              <a:shade val="15000"/>
+            </a:schemeClr>
+          </a:lnRef>
+          <a:fillRef idx="1">
+            <a:schemeClr val="accent1"/>
+          </a:fillRef>
+          <a:effectRef idx="0">
+            <a:schemeClr val="accent1"/>
+          </a:effectRef>
+          <a:fontRef idx="minor">
+            <a:schemeClr val="lt1"/>
+          </a:fontRef>
+        </p:style>
+        <p:txBody>
+          <a:bodyPr rtlCol="0" anchor="ctr"/>
+          <a:lstStyle/>
+          <a:p>
+            <a:pPr algn="ctr"/>
+            <a:endParaRPr lang="en-US"/>
+          </a:p>
+        </p:txBody>
+      </p:sp>
+      <p:cxnSp>
+        <p:nvCxnSpPr>
+          <p:cNvPr id="7" name="Straight Arrow Connector 6">
+            <a:extLst>
+              <a:ext uri="{FF2B5EF4-FFF2-40B4-BE49-F238E27FC236}">
+                <a16:creationId xmlns:a16="http://schemas.microsoft.com/office/drawing/2014/main" id="{A91FA2F1-822F-0686-8D09-AEAD3D18C0FA}"/>
+              </a:ext>
+            </a:extLst>
+          </p:cNvPr>
+          <p:cNvCxnSpPr>
+            <a:cxnSpLocks/>
+          </p:cNvCxnSpPr>
+          <p:nvPr/>
+        </p:nvCxnSpPr>
+        <p:spPr>
+          <a:xfrm flipV="1">
+            <a:off x="2261419" y="314632"/>
+            <a:ext cx="0" cy="4965291"/>
+          </a:xfrm>
+          <a:prstGeom prst="straightConnector1">
+            <a:avLst/>
+          </a:prstGeom>
+          <a:ln w="38100">
+            <a:solidFill>
+              <a:schemeClr val="tx1"/>
+            </a:solidFill>
+            <a:tailEnd type="triangle"/>
+          </a:ln>
+        </p:spPr>
+        <p:style>
+          <a:lnRef idx="2">
+            <a:schemeClr val="accent1"/>
+          </a:lnRef>
+          <a:fillRef idx="0">
+            <a:schemeClr val="accent1"/>
+          </a:fillRef>
+          <a:effectRef idx="1">
+            <a:schemeClr val="accent1"/>
+          </a:effectRef>
+          <a:fontRef idx="minor">
+            <a:schemeClr val="tx1"/>
+          </a:fontRef>
+        </p:style>
+      </p:cxnSp>
+      <p:cxnSp>
+        <p:nvCxnSpPr>
+          <p:cNvPr id="11" name="Straight Arrow Connector 10">
+            <a:extLst>
+              <a:ext uri="{FF2B5EF4-FFF2-40B4-BE49-F238E27FC236}">
+                <a16:creationId xmlns:a16="http://schemas.microsoft.com/office/drawing/2014/main" id="{54167A6C-DEF0-5EBF-14F7-AC7886075723}"/>
+              </a:ext>
+            </a:extLst>
+          </p:cNvPr>
+          <p:cNvCxnSpPr>
+            <a:cxnSpLocks/>
+          </p:cNvCxnSpPr>
+          <p:nvPr/>
+        </p:nvCxnSpPr>
+        <p:spPr>
+          <a:xfrm>
+            <a:off x="2261419" y="5279923"/>
+            <a:ext cx="9556955" cy="0"/>
+          </a:xfrm>
+          <a:prstGeom prst="straightConnector1">
+            <a:avLst/>
+          </a:prstGeom>
+          <a:ln w="38100">
+            <a:solidFill>
+              <a:schemeClr val="tx1"/>
+            </a:solidFill>
+            <a:tailEnd type="triangle"/>
+          </a:ln>
+        </p:spPr>
+        <p:style>
+          <a:lnRef idx="2">
+            <a:schemeClr val="accent1"/>
+          </a:lnRef>
+          <a:fillRef idx="0">
+            <a:schemeClr val="accent1"/>
+          </a:fillRef>
+          <a:effectRef idx="1">
+            <a:schemeClr val="accent1"/>
+          </a:effectRef>
+          <a:fontRef idx="minor">
+            <a:schemeClr val="tx1"/>
+          </a:fontRef>
+        </p:style>
+      </p:cxnSp>
+      <p:sp>
+        <p:nvSpPr>
+          <p:cNvPr id="14" name="TextBox 13">
+            <a:extLst>
+              <a:ext uri="{FF2B5EF4-FFF2-40B4-BE49-F238E27FC236}">
+                <a16:creationId xmlns:a16="http://schemas.microsoft.com/office/drawing/2014/main" id="{E80DBFBD-0ED1-D08F-94A5-B24D74EB9AA9}"/>
+              </a:ext>
+            </a:extLst>
+          </p:cNvPr>
+          <p:cNvSpPr txBox="1"/>
+          <p:nvPr/>
+        </p:nvSpPr>
+        <p:spPr>
+          <a:xfrm rot="16200000">
+            <a:off x="434126" y="1771923"/>
+            <a:ext cx="2979174" cy="400110"/>
+          </a:xfrm>
+          <a:prstGeom prst="rect">
+            <a:avLst/>
+          </a:prstGeom>
+          <a:noFill/>
+        </p:spPr>
+        <p:txBody>
+          <a:bodyPr wrap="square" rtlCol="0">
+            <a:spAutoFit/>
+          </a:bodyPr>
+          <a:lstStyle/>
+          <a:p>
+            <a:r>
+              <a:rPr lang="de-DE" sz="2000" b="1" dirty="0"/>
+              <a:t>Accuracy</a:t>
+            </a:r>
+            <a:endParaRPr lang="en-US" sz="2000" b="1" dirty="0"/>
+          </a:p>
+        </p:txBody>
+      </p:sp>
+      <p:sp>
+        <p:nvSpPr>
+          <p:cNvPr id="15" name="TextBox 14">
+            <a:extLst>
+              <a:ext uri="{FF2B5EF4-FFF2-40B4-BE49-F238E27FC236}">
+                <a16:creationId xmlns:a16="http://schemas.microsoft.com/office/drawing/2014/main" id="{0AE017F0-EFDB-6069-70F5-9E4D86965ACA}"/>
+              </a:ext>
+            </a:extLst>
+          </p:cNvPr>
+          <p:cNvSpPr txBox="1"/>
+          <p:nvPr/>
+        </p:nvSpPr>
+        <p:spPr>
+          <a:xfrm>
+            <a:off x="5506063" y="5408384"/>
+            <a:ext cx="3716593" cy="400110"/>
+          </a:xfrm>
+          <a:prstGeom prst="rect">
+            <a:avLst/>
+          </a:prstGeom>
+          <a:noFill/>
+        </p:spPr>
+        <p:txBody>
+          <a:bodyPr wrap="square" rtlCol="0">
+            <a:spAutoFit/>
+          </a:bodyPr>
+          <a:lstStyle/>
+          <a:p>
+            <a:r>
+              <a:rPr lang="de-DE" sz="2000" b="1" dirty="0"/>
+              <a:t>Calculation Intensity</a:t>
+            </a:r>
+            <a:endParaRPr lang="en-US" sz="2000" b="1" dirty="0"/>
+          </a:p>
+        </p:txBody>
+      </p:sp>
+      <p:sp>
+        <p:nvSpPr>
+          <p:cNvPr id="16" name="TextBox 15">
+            <a:extLst>
+              <a:ext uri="{FF2B5EF4-FFF2-40B4-BE49-F238E27FC236}">
+                <a16:creationId xmlns:a16="http://schemas.microsoft.com/office/drawing/2014/main" id="{F437D4AB-E78C-6B4E-BD92-6947786896E7}"/>
+              </a:ext>
+            </a:extLst>
+          </p:cNvPr>
+          <p:cNvSpPr txBox="1"/>
+          <p:nvPr/>
+        </p:nvSpPr>
+        <p:spPr>
+          <a:xfrm>
+            <a:off x="3238170" y="1221858"/>
+            <a:ext cx="3765755" cy="1323439"/>
+          </a:xfrm>
+          <a:prstGeom prst="rect">
+            <a:avLst/>
+          </a:prstGeom>
+          <a:noFill/>
+        </p:spPr>
+        <p:txBody>
+          <a:bodyPr wrap="square" rtlCol="0">
+            <a:spAutoFit/>
+          </a:bodyPr>
+          <a:lstStyle/>
+          <a:p>
+            <a:r>
+              <a:rPr lang="de-DE" sz="1600" b="1" dirty="0"/>
+              <a:t>                            CME</a:t>
+            </a:r>
+          </a:p>
+          <a:p>
+            <a:r>
+              <a:rPr lang="de-DE" sz="1600" b="1" dirty="0"/>
+              <a:t>                       SSA</a:t>
+            </a:r>
+          </a:p>
+          <a:p>
+            <a:r>
+              <a:rPr lang="de-DE" sz="1600" b="1" dirty="0"/>
+              <a:t>               Tau-Leaping</a:t>
+            </a:r>
+          </a:p>
+          <a:p>
+            <a:r>
+              <a:rPr lang="de-DE" sz="1600" b="1" dirty="0"/>
+              <a:t>               CLE</a:t>
+            </a:r>
+          </a:p>
+          <a:p>
+            <a:r>
+              <a:rPr lang="de-DE" sz="1600" b="1" dirty="0"/>
+              <a:t>       MultiScale</a:t>
+            </a:r>
+            <a:endParaRPr lang="en-US" sz="1600" b="1" dirty="0"/>
+          </a:p>
+        </p:txBody>
+      </p:sp>
+      <p:sp>
+        <p:nvSpPr>
+          <p:cNvPr id="17" name="TextBox 16">
+            <a:extLst>
+              <a:ext uri="{FF2B5EF4-FFF2-40B4-BE49-F238E27FC236}">
+                <a16:creationId xmlns:a16="http://schemas.microsoft.com/office/drawing/2014/main" id="{C757BE3A-4952-A231-9A61-7EC2D80B7D25}"/>
+              </a:ext>
+            </a:extLst>
+          </p:cNvPr>
+          <p:cNvSpPr txBox="1"/>
+          <p:nvPr/>
+        </p:nvSpPr>
+        <p:spPr>
+          <a:xfrm>
+            <a:off x="2536720" y="904414"/>
+            <a:ext cx="9655277" cy="3970318"/>
+          </a:xfrm>
+          <a:prstGeom prst="rect">
+            <a:avLst/>
+          </a:prstGeom>
+          <a:noFill/>
+        </p:spPr>
+        <p:txBody>
+          <a:bodyPr wrap="square" rtlCol="0">
+            <a:spAutoFit/>
+          </a:bodyPr>
+          <a:lstStyle/>
+          <a:p>
+            <a:r>
+              <a:rPr lang="en-US" b="1" dirty="0"/>
+              <a:t>                                                                                                                                               Molecular Dynamics</a:t>
+            </a:r>
+          </a:p>
+          <a:p>
+            <a:endParaRPr lang="en-US" b="1" dirty="0"/>
+          </a:p>
+          <a:p>
+            <a:r>
+              <a:rPr lang="en-US" b="1" dirty="0"/>
+              <a:t>                                                                                                                          Individual-Based</a:t>
+            </a:r>
+          </a:p>
+          <a:p>
+            <a:endParaRPr lang="en-US" b="1" dirty="0"/>
+          </a:p>
+          <a:p>
+            <a:r>
+              <a:rPr lang="en-US" b="1" dirty="0"/>
+              <a:t>                                                                                             Spatial Discrete Stochastic</a:t>
+            </a:r>
+          </a:p>
+          <a:p>
+            <a:endParaRPr lang="en-US" b="1" dirty="0"/>
+          </a:p>
+          <a:p>
+            <a:endParaRPr lang="en-US" b="1" dirty="0"/>
+          </a:p>
+          <a:p>
+            <a:r>
+              <a:rPr lang="en-US" b="1" dirty="0"/>
+              <a:t>                                                                 Discrete Stochastic</a:t>
+            </a:r>
+          </a:p>
+          <a:p>
+            <a:endParaRPr lang="en-US" b="1" dirty="0"/>
+          </a:p>
+          <a:p>
+            <a:endParaRPr lang="en-US" b="1" dirty="0"/>
+          </a:p>
+          <a:p>
+            <a:r>
+              <a:rPr lang="en-US" b="1" dirty="0"/>
+              <a:t>                              Continuous Stochastic</a:t>
+            </a:r>
+          </a:p>
+          <a:p>
+            <a:endParaRPr lang="en-US" b="1" dirty="0"/>
+          </a:p>
+          <a:p>
+            <a:endParaRPr lang="en-US" b="1" dirty="0"/>
+          </a:p>
+          <a:p>
+            <a:r>
+              <a:rPr lang="en-US" b="1" dirty="0"/>
+              <a:t>  Continuous Deterministic</a:t>
+            </a:r>
+          </a:p>
+        </p:txBody>
+      </p:sp>
+      <p:sp>
+        <p:nvSpPr>
+          <p:cNvPr id="23" name="Oval 22">
+            <a:extLst>
+              <a:ext uri="{FF2B5EF4-FFF2-40B4-BE49-F238E27FC236}">
+                <a16:creationId xmlns:a16="http://schemas.microsoft.com/office/drawing/2014/main" id="{6ACA059B-09E8-2662-20E6-2B9CEE2A11EC}"/>
+              </a:ext>
+            </a:extLst>
+          </p:cNvPr>
+          <p:cNvSpPr/>
+          <p:nvPr/>
+        </p:nvSpPr>
+        <p:spPr>
+          <a:xfrm>
+            <a:off x="6395883" y="4053046"/>
+            <a:ext cx="1936955" cy="1016298"/>
+          </a:xfrm>
+          <a:prstGeom prst="ellipse">
+            <a:avLst/>
+          </a:prstGeom>
+          <a:solidFill>
+            <a:srgbClr val="FFFF00"/>
+          </a:solidFill>
+        </p:spPr>
+        <p:style>
+          <a:lnRef idx="2">
+            <a:schemeClr val="accent1">
+              <a:shade val="15000"/>
+            </a:schemeClr>
+          </a:lnRef>
+          <a:fillRef idx="1">
+            <a:schemeClr val="accent1"/>
+          </a:fillRef>
+          <a:effectRef idx="0">
+            <a:schemeClr val="accent1"/>
+          </a:effectRef>
+          <a:fontRef idx="minor">
+            <a:schemeClr val="lt1"/>
+          </a:fontRef>
+        </p:style>
+        <p:txBody>
+          <a:bodyPr rtlCol="0" anchor="ctr"/>
+          <a:lstStyle/>
+          <a:p>
+            <a:pPr algn="ctr"/>
+            <a:endParaRPr lang="en-US" dirty="0"/>
+          </a:p>
+        </p:txBody>
+      </p:sp>
+      <p:sp>
+        <p:nvSpPr>
+          <p:cNvPr id="24" name="TextBox 23">
+            <a:extLst>
+              <a:ext uri="{FF2B5EF4-FFF2-40B4-BE49-F238E27FC236}">
+                <a16:creationId xmlns:a16="http://schemas.microsoft.com/office/drawing/2014/main" id="{D0C4546C-D95F-A561-485D-BB11A97E4A40}"/>
+              </a:ext>
+            </a:extLst>
+          </p:cNvPr>
+          <p:cNvSpPr txBox="1"/>
+          <p:nvPr/>
+        </p:nvSpPr>
+        <p:spPr>
+          <a:xfrm>
+            <a:off x="6730179" y="4242743"/>
+            <a:ext cx="1691148" cy="584775"/>
+          </a:xfrm>
+          <a:prstGeom prst="rect">
+            <a:avLst/>
+          </a:prstGeom>
+          <a:noFill/>
+        </p:spPr>
+        <p:txBody>
+          <a:bodyPr wrap="square" rtlCol="0">
+            <a:spAutoFit/>
+          </a:bodyPr>
+          <a:lstStyle/>
+          <a:p>
+            <a:r>
+              <a:rPr lang="de-DE" sz="1600" b="1" dirty="0"/>
+              <a:t>Runge-Kutta </a:t>
+            </a:r>
+          </a:p>
+          <a:p>
+            <a:r>
+              <a:rPr lang="de-DE" sz="1600" b="1" dirty="0"/>
+              <a:t>Euler Method</a:t>
+            </a:r>
+            <a:endParaRPr lang="en-US" sz="1600" b="1" dirty="0"/>
+          </a:p>
+        </p:txBody>
+      </p:sp>
+      <p:sp>
+        <p:nvSpPr>
+          <p:cNvPr id="27" name="Arrow: Notched Right 26">
+            <a:extLst>
+              <a:ext uri="{FF2B5EF4-FFF2-40B4-BE49-F238E27FC236}">
+                <a16:creationId xmlns:a16="http://schemas.microsoft.com/office/drawing/2014/main" id="{963E95E6-AC26-1946-CDBA-17B06D064D98}"/>
+              </a:ext>
+            </a:extLst>
+          </p:cNvPr>
+          <p:cNvSpPr/>
+          <p:nvPr/>
+        </p:nvSpPr>
+        <p:spPr>
+          <a:xfrm>
+            <a:off x="5546900" y="4561195"/>
+            <a:ext cx="760494" cy="168700"/>
+          </a:xfrm>
+          <a:prstGeom prst="notchedRightArrow">
+            <a:avLst/>
+          </a:prstGeom>
+          <a:solidFill>
+            <a:schemeClr val="tx1"/>
+          </a:solidFill>
+          <a:ln>
+            <a:solidFill>
+              <a:schemeClr val="tx1"/>
+            </a:solidFill>
+          </a:ln>
+        </p:spPr>
+        <p:style>
+          <a:lnRef idx="2">
+            <a:schemeClr val="accent1">
+              <a:shade val="15000"/>
+            </a:schemeClr>
+          </a:lnRef>
+          <a:fillRef idx="1">
+            <a:schemeClr val="accent1"/>
+          </a:fillRef>
+          <a:effectRef idx="0">
+            <a:schemeClr val="accent1"/>
+          </a:effectRef>
+          <a:fontRef idx="minor">
+            <a:schemeClr val="lt1"/>
+          </a:fontRef>
+        </p:style>
+        <p:txBody>
+          <a:bodyPr rtlCol="0" anchor="ctr"/>
+          <a:lstStyle/>
+          <a:p>
+            <a:pPr algn="ctr"/>
+            <a:endParaRPr lang="en-US"/>
+          </a:p>
+        </p:txBody>
+      </p:sp>
+      <p:sp>
+        <p:nvSpPr>
+          <p:cNvPr id="28" name="Arrow: Notched Right 27">
+            <a:extLst>
+              <a:ext uri="{FF2B5EF4-FFF2-40B4-BE49-F238E27FC236}">
+                <a16:creationId xmlns:a16="http://schemas.microsoft.com/office/drawing/2014/main" id="{69F75022-B336-A0BE-BD72-FE871A894F26}"/>
+              </a:ext>
+            </a:extLst>
+          </p:cNvPr>
+          <p:cNvSpPr/>
+          <p:nvPr/>
+        </p:nvSpPr>
+        <p:spPr>
+          <a:xfrm rot="12984946">
+            <a:off x="5065912" y="2718064"/>
+            <a:ext cx="492496" cy="158429"/>
+          </a:xfrm>
+          <a:prstGeom prst="notchedRightArrow">
+            <a:avLst/>
+          </a:prstGeom>
+          <a:solidFill>
+            <a:schemeClr val="tx1"/>
+          </a:solidFill>
+          <a:ln>
+            <a:solidFill>
+              <a:schemeClr val="tx1"/>
+            </a:solidFill>
+          </a:ln>
+        </p:spPr>
+        <p:style>
+          <a:lnRef idx="2">
+            <a:schemeClr val="accent1">
+              <a:shade val="15000"/>
+            </a:schemeClr>
+          </a:lnRef>
+          <a:fillRef idx="1">
+            <a:schemeClr val="accent1"/>
+          </a:fillRef>
+          <a:effectRef idx="0">
+            <a:schemeClr val="accent1"/>
+          </a:effectRef>
+          <a:fontRef idx="minor">
+            <a:schemeClr val="lt1"/>
+          </a:fontRef>
+        </p:style>
+        <p:txBody>
+          <a:bodyPr rtlCol="0" anchor="ctr"/>
+          <a:lstStyle/>
+          <a:p>
+            <a:pPr algn="ctr"/>
+            <a:endParaRPr lang="en-US"/>
+          </a:p>
+        </p:txBody>
+      </p:sp>
+      <p:sp>
+        <p:nvSpPr>
+          <p:cNvPr id="29" name="TextBox 28">
+            <a:extLst>
+              <a:ext uri="{FF2B5EF4-FFF2-40B4-BE49-F238E27FC236}">
+                <a16:creationId xmlns:a16="http://schemas.microsoft.com/office/drawing/2014/main" id="{69572497-F9D5-969C-4776-32D1032AF256}"/>
+              </a:ext>
+            </a:extLst>
+          </p:cNvPr>
+          <p:cNvSpPr txBox="1"/>
+          <p:nvPr/>
+        </p:nvSpPr>
+        <p:spPr>
+          <a:xfrm>
+            <a:off x="1494504" y="5963866"/>
+            <a:ext cx="10028903" cy="646331"/>
+          </a:xfrm>
+          <a:prstGeom prst="rect">
+            <a:avLst/>
+          </a:prstGeom>
+          <a:noFill/>
+        </p:spPr>
+        <p:txBody>
+          <a:bodyPr wrap="square" rtlCol="0">
+            <a:spAutoFit/>
+          </a:bodyPr>
+          <a:lstStyle/>
+          <a:p>
+            <a:r>
+              <a:rPr lang="en-US" dirty="0"/>
+              <a:t>Figure 2: Comparison of Modelling and Simulation Methods Based on Accuracy versus Computational Difficulty</a:t>
+            </a:r>
+          </a:p>
+        </p:txBody>
+      </p:sp>
+      <p:pic>
+        <p:nvPicPr>
+          <p:cNvPr id="59" name="Picture 58">
+            <a:extLst>
+              <a:ext uri="{FF2B5EF4-FFF2-40B4-BE49-F238E27FC236}">
+                <a16:creationId xmlns:a16="http://schemas.microsoft.com/office/drawing/2014/main" id="{D1805B64-86E4-4DA4-F174-FB2D5498526D}"/>
+              </a:ext>
+            </a:extLst>
+          </p:cNvPr>
+          <p:cNvPicPr>
+            <a:picLocks noChangeAspect="1"/>
+          </p:cNvPicPr>
+          <p:nvPr/>
+        </p:nvPicPr>
+        <p:blipFill>
+          <a:blip r:embed="rId2">
+            <a:extLst>
+              <a:ext uri="{28A0092B-C50C-407E-A947-70E740481C1C}">
+                <a14:useLocalDpi xmlns:a14="http://schemas.microsoft.com/office/drawing/2010/main" val="0"/>
+              </a:ext>
+            </a:extLst>
+          </a:blip>
+          <a:stretch>
+            <a:fillRect/>
+          </a:stretch>
+        </p:blipFill>
+        <p:spPr>
+          <a:xfrm>
+            <a:off x="6076948" y="3394707"/>
+            <a:ext cx="38103" cy="68586"/>
+          </a:xfrm>
+          <a:prstGeom prst="rect">
+            <a:avLst/>
+          </a:prstGeom>
+        </p:spPr>
+      </p:pic>
+      <p:pic>
+        <p:nvPicPr>
+          <p:cNvPr id="63" name="Picture 62">
+            <a:extLst>
+              <a:ext uri="{FF2B5EF4-FFF2-40B4-BE49-F238E27FC236}">
+                <a16:creationId xmlns:a16="http://schemas.microsoft.com/office/drawing/2014/main" id="{FE158DDA-F460-1C01-4D33-A9C5B8B03534}"/>
+              </a:ext>
+            </a:extLst>
+          </p:cNvPr>
+          <p:cNvPicPr>
+            <a:picLocks noChangeAspect="1"/>
+          </p:cNvPicPr>
+          <p:nvPr/>
+        </p:nvPicPr>
+        <p:blipFill>
+          <a:blip r:embed="rId3">
+            <a:extLst>
+              <a:ext uri="{28A0092B-C50C-407E-A947-70E740481C1C}">
+                <a14:useLocalDpi xmlns:a14="http://schemas.microsoft.com/office/drawing/2010/main" val="0"/>
+              </a:ext>
+            </a:extLst>
+          </a:blip>
+          <a:stretch>
+            <a:fillRect/>
+          </a:stretch>
+        </p:blipFill>
+        <p:spPr>
+          <a:xfrm>
+            <a:off x="6031224" y="3402327"/>
+            <a:ext cx="129551" cy="53345"/>
+          </a:xfrm>
+          <a:prstGeom prst="rect">
+            <a:avLst/>
+          </a:prstGeom>
+        </p:spPr>
+      </p:pic>
+    </p:spTree>
+    <p:extLst>
+      <p:ext uri="{BB962C8B-B14F-4D97-AF65-F5344CB8AC3E}">
+        <p14:creationId xmlns:p14="http://schemas.microsoft.com/office/powerpoint/2010/main" val="2809479174"/>
       </p:ext>
     </p:extLst>
   </p:cSld>
